--- a/CS410 Presentation.pptx
+++ b/CS410 Presentation.pptx
@@ -347,7 +347,7 @@
           <a:p>
             <a:fld id="{F40117A1-6E3D-DB4D-A01F-4942BDC916D2}" type="datetimeFigureOut">
               <a:rPr lang="en-US" smtClean="0"/>
-              <a:t>12/12/23</a:t>
+              <a:t>12/13/23</a:t>
             </a:fld>
             <a:endParaRPr lang="en-US"/>
           </a:p>
@@ -681,7 +681,7 @@
           <a:p>
             <a:fld id="{F40117A1-6E3D-DB4D-A01F-4942BDC916D2}" type="datetimeFigureOut">
               <a:rPr lang="en-US" smtClean="0"/>
-              <a:t>12/12/23</a:t>
+              <a:t>12/13/23</a:t>
             </a:fld>
             <a:endParaRPr lang="en-US"/>
           </a:p>
@@ -959,7 +959,7 @@
           <a:p>
             <a:fld id="{F40117A1-6E3D-DB4D-A01F-4942BDC916D2}" type="datetimeFigureOut">
               <a:rPr lang="en-US" smtClean="0"/>
-              <a:t>12/12/23</a:t>
+              <a:t>12/13/23</a:t>
             </a:fld>
             <a:endParaRPr lang="en-US"/>
           </a:p>
@@ -1527,7 +1527,7 @@
           <a:p>
             <a:fld id="{F40117A1-6E3D-DB4D-A01F-4942BDC916D2}" type="datetimeFigureOut">
               <a:rPr lang="en-US" smtClean="0"/>
-              <a:t>12/12/23</a:t>
+              <a:t>12/13/23</a:t>
             </a:fld>
             <a:endParaRPr lang="en-US"/>
           </a:p>
@@ -1805,7 +1805,7 @@
           <a:p>
             <a:fld id="{F40117A1-6E3D-DB4D-A01F-4942BDC916D2}" type="datetimeFigureOut">
               <a:rPr lang="en-US" smtClean="0"/>
-              <a:t>12/12/23</a:t>
+              <a:t>12/13/23</a:t>
             </a:fld>
             <a:endParaRPr lang="en-US"/>
           </a:p>
@@ -2367,7 +2367,7 @@
           <a:p>
             <a:fld id="{F40117A1-6E3D-DB4D-A01F-4942BDC916D2}" type="datetimeFigureOut">
               <a:rPr lang="en-US" smtClean="0"/>
-              <a:t>12/12/23</a:t>
+              <a:t>12/13/23</a:t>
             </a:fld>
             <a:endParaRPr lang="en-US"/>
           </a:p>
@@ -2694,7 +2694,7 @@
           <a:p>
             <a:fld id="{F40117A1-6E3D-DB4D-A01F-4942BDC916D2}" type="datetimeFigureOut">
               <a:rPr lang="en-US" smtClean="0"/>
-              <a:t>12/12/23</a:t>
+              <a:t>12/13/23</a:t>
             </a:fld>
             <a:endParaRPr lang="en-US"/>
           </a:p>
@@ -2871,7 +2871,7 @@
           <a:p>
             <a:fld id="{F40117A1-6E3D-DB4D-A01F-4942BDC916D2}" type="datetimeFigureOut">
               <a:rPr lang="en-US" smtClean="0"/>
-              <a:t>12/12/23</a:t>
+              <a:t>12/13/23</a:t>
             </a:fld>
             <a:endParaRPr lang="en-US"/>
           </a:p>
@@ -3109,7 +3109,7 @@
           <a:p>
             <a:fld id="{F40117A1-6E3D-DB4D-A01F-4942BDC916D2}" type="datetimeFigureOut">
               <a:rPr lang="en-US" smtClean="0"/>
-              <a:t>12/12/23</a:t>
+              <a:t>12/13/23</a:t>
             </a:fld>
             <a:endParaRPr lang="en-US"/>
           </a:p>
@@ -3309,7 +3309,7 @@
           <a:p>
             <a:fld id="{F40117A1-6E3D-DB4D-A01F-4942BDC916D2}" type="datetimeFigureOut">
               <a:rPr lang="en-US" smtClean="0"/>
-              <a:t>12/12/23</a:t>
+              <a:t>12/13/23</a:t>
             </a:fld>
             <a:endParaRPr lang="en-US"/>
           </a:p>
@@ -3585,7 +3585,7 @@
           <a:p>
             <a:fld id="{F40117A1-6E3D-DB4D-A01F-4942BDC916D2}" type="datetimeFigureOut">
               <a:rPr lang="en-US" smtClean="0"/>
-              <a:t>12/12/23</a:t>
+              <a:t>12/13/23</a:t>
             </a:fld>
             <a:endParaRPr lang="en-US"/>
           </a:p>
@@ -3851,7 +3851,7 @@
           <a:p>
             <a:fld id="{F40117A1-6E3D-DB4D-A01F-4942BDC916D2}" type="datetimeFigureOut">
               <a:rPr lang="en-US" smtClean="0"/>
-              <a:t>12/12/23</a:t>
+              <a:t>12/13/23</a:t>
             </a:fld>
             <a:endParaRPr lang="en-US"/>
           </a:p>
@@ -4225,7 +4225,7 @@
           <a:p>
             <a:fld id="{F40117A1-6E3D-DB4D-A01F-4942BDC916D2}" type="datetimeFigureOut">
               <a:rPr lang="en-US" smtClean="0"/>
-              <a:t>12/12/23</a:t>
+              <a:t>12/13/23</a:t>
             </a:fld>
             <a:endParaRPr lang="en-US"/>
           </a:p>
@@ -4373,7 +4373,7 @@
           <a:p>
             <a:fld id="{F40117A1-6E3D-DB4D-A01F-4942BDC916D2}" type="datetimeFigureOut">
               <a:rPr lang="en-US" smtClean="0"/>
-              <a:t>12/12/23</a:t>
+              <a:t>12/13/23</a:t>
             </a:fld>
             <a:endParaRPr lang="en-US"/>
           </a:p>
@@ -4498,7 +4498,7 @@
           <a:p>
             <a:fld id="{F40117A1-6E3D-DB4D-A01F-4942BDC916D2}" type="datetimeFigureOut">
               <a:rPr lang="en-US" smtClean="0"/>
-              <a:t>12/12/23</a:t>
+              <a:t>12/13/23</a:t>
             </a:fld>
             <a:endParaRPr lang="en-US"/>
           </a:p>
@@ -4783,7 +4783,7 @@
           <a:p>
             <a:fld id="{F40117A1-6E3D-DB4D-A01F-4942BDC916D2}" type="datetimeFigureOut">
               <a:rPr lang="en-US" smtClean="0"/>
-              <a:t>12/12/23</a:t>
+              <a:t>12/13/23</a:t>
             </a:fld>
             <a:endParaRPr lang="en-US"/>
           </a:p>
@@ -5107,7 +5107,7 @@
           <a:p>
             <a:fld id="{F40117A1-6E3D-DB4D-A01F-4942BDC916D2}" type="datetimeFigureOut">
               <a:rPr lang="en-US" smtClean="0"/>
-              <a:t>12/12/23</a:t>
+              <a:t>12/13/23</a:t>
             </a:fld>
             <a:endParaRPr lang="en-US"/>
           </a:p>
@@ -5321,7 +5321,7 @@
           <a:p>
             <a:fld id="{F40117A1-6E3D-DB4D-A01F-4942BDC916D2}" type="datetimeFigureOut">
               <a:rPr lang="en-US" smtClean="0"/>
-              <a:t>12/12/23</a:t>
+              <a:t>12/13/23</a:t>
             </a:fld>
             <a:endParaRPr lang="en-US"/>
           </a:p>
@@ -7634,10 +7634,10 @@
       </p:sp>
       <p:pic>
         <p:nvPicPr>
-          <p:cNvPr id="7" name="Picture 6" descr="A screenshot of a computer program&#10;&#10;Description automatically generated">
+          <p:cNvPr id="6" name="Picture 5" descr="A screenshot of a computer program&#10;&#10;Description automatically generated">
             <a:extLst>
               <a:ext uri="{FF2B5EF4-FFF2-40B4-BE49-F238E27FC236}">
-                <a16:creationId xmlns:a16="http://schemas.microsoft.com/office/drawing/2014/main" id="{D9FF2B07-64D2-CD3A-0157-CFB5213E7E07}"/>
+                <a16:creationId xmlns:a16="http://schemas.microsoft.com/office/drawing/2014/main" id="{46F30CAE-5B3F-F75A-A7AD-6499DC6056B5}"/>
               </a:ext>
             </a:extLst>
           </p:cNvPr>
@@ -7655,7 +7655,7 @@
         <p:spPr>
           <a:xfrm>
             <a:off x="589541" y="3831330"/>
-            <a:ext cx="6891421" cy="2645522"/>
+            <a:ext cx="7772400" cy="2709011"/>
           </a:xfrm>
           <a:prstGeom prst="rect">
             <a:avLst/>
